--- a/03.FileSystem/03-FileSystem.pptx
+++ b/03.FileSystem/03-FileSystem.pptx
@@ -222,7 +222,7 @@
           <a:p>
             <a:fld id="{75352585-B422-2C4D-8E5A-F92ADED6DEC8}" type="datetimeFigureOut">
               <a:rPr lang="en-US" smtClean="0"/>
-              <a:t>4/5/17</a:t>
+              <a:t>4/7/17</a:t>
             </a:fld>
             <a:endParaRPr lang="en-US"/>
           </a:p>
@@ -755,7 +755,7 @@
           <a:p>
             <a:fld id="{3EA744D9-3FBE-48D8-BF2A-85DF203E4D20}" type="datetimeFigureOut">
               <a:rPr lang="bg-BG" smtClean="0"/>
-              <a:t>5.04.17 г.</a:t>
+              <a:t>7.04.17 г.</a:t>
             </a:fld>
             <a:endParaRPr lang="bg-BG"/>
           </a:p>
@@ -925,7 +925,7 @@
           <a:p>
             <a:fld id="{3EA744D9-3FBE-48D8-BF2A-85DF203E4D20}" type="datetimeFigureOut">
               <a:rPr lang="bg-BG" smtClean="0"/>
-              <a:t>5.04.17 г.</a:t>
+              <a:t>7.04.17 г.</a:t>
             </a:fld>
             <a:endParaRPr lang="bg-BG"/>
           </a:p>
@@ -1105,7 +1105,7 @@
           <a:p>
             <a:fld id="{3EA744D9-3FBE-48D8-BF2A-85DF203E4D20}" type="datetimeFigureOut">
               <a:rPr lang="bg-BG" smtClean="0"/>
-              <a:t>5.04.17 г.</a:t>
+              <a:t>7.04.17 г.</a:t>
             </a:fld>
             <a:endParaRPr lang="bg-BG"/>
           </a:p>
@@ -1275,7 +1275,7 @@
           <a:p>
             <a:fld id="{3EA744D9-3FBE-48D8-BF2A-85DF203E4D20}" type="datetimeFigureOut">
               <a:rPr lang="bg-BG" smtClean="0"/>
-              <a:t>5.04.17 г.</a:t>
+              <a:t>7.04.17 г.</a:t>
             </a:fld>
             <a:endParaRPr lang="bg-BG"/>
           </a:p>
@@ -1521,7 +1521,7 @@
           <a:p>
             <a:fld id="{3EA744D9-3FBE-48D8-BF2A-85DF203E4D20}" type="datetimeFigureOut">
               <a:rPr lang="bg-BG" smtClean="0"/>
-              <a:t>5.04.17 г.</a:t>
+              <a:t>7.04.17 г.</a:t>
             </a:fld>
             <a:endParaRPr lang="bg-BG"/>
           </a:p>
@@ -1809,7 +1809,7 @@
           <a:p>
             <a:fld id="{3EA744D9-3FBE-48D8-BF2A-85DF203E4D20}" type="datetimeFigureOut">
               <a:rPr lang="bg-BG" smtClean="0"/>
-              <a:t>5.04.17 г.</a:t>
+              <a:t>7.04.17 г.</a:t>
             </a:fld>
             <a:endParaRPr lang="bg-BG"/>
           </a:p>
@@ -2231,7 +2231,7 @@
           <a:p>
             <a:fld id="{3EA744D9-3FBE-48D8-BF2A-85DF203E4D20}" type="datetimeFigureOut">
               <a:rPr lang="bg-BG" smtClean="0"/>
-              <a:t>5.04.17 г.</a:t>
+              <a:t>7.04.17 г.</a:t>
             </a:fld>
             <a:endParaRPr lang="bg-BG"/>
           </a:p>
@@ -2349,7 +2349,7 @@
           <a:p>
             <a:fld id="{3EA744D9-3FBE-48D8-BF2A-85DF203E4D20}" type="datetimeFigureOut">
               <a:rPr lang="bg-BG" smtClean="0"/>
-              <a:t>5.04.17 г.</a:t>
+              <a:t>7.04.17 г.</a:t>
             </a:fld>
             <a:endParaRPr lang="bg-BG"/>
           </a:p>
@@ -2444,7 +2444,7 @@
           <a:p>
             <a:fld id="{3EA744D9-3FBE-48D8-BF2A-85DF203E4D20}" type="datetimeFigureOut">
               <a:rPr lang="bg-BG" smtClean="0"/>
-              <a:t>5.04.17 г.</a:t>
+              <a:t>7.04.17 г.</a:t>
             </a:fld>
             <a:endParaRPr lang="bg-BG"/>
           </a:p>
@@ -2721,7 +2721,7 @@
           <a:p>
             <a:fld id="{3EA744D9-3FBE-48D8-BF2A-85DF203E4D20}" type="datetimeFigureOut">
               <a:rPr lang="bg-BG" smtClean="0"/>
-              <a:t>5.04.17 г.</a:t>
+              <a:t>7.04.17 г.</a:t>
             </a:fld>
             <a:endParaRPr lang="bg-BG"/>
           </a:p>
@@ -2974,7 +2974,7 @@
           <a:p>
             <a:fld id="{3EA744D9-3FBE-48D8-BF2A-85DF203E4D20}" type="datetimeFigureOut">
               <a:rPr lang="bg-BG" smtClean="0"/>
-              <a:t>5.04.17 г.</a:t>
+              <a:t>7.04.17 г.</a:t>
             </a:fld>
             <a:endParaRPr lang="bg-BG"/>
           </a:p>
@@ -3196,7 +3196,7 @@
           <a:p>
             <a:fld id="{3EA744D9-3FBE-48D8-BF2A-85DF203E4D20}" type="datetimeFigureOut">
               <a:rPr lang="bg-BG" smtClean="0"/>
-              <a:t>5.04.17 г.</a:t>
+              <a:t>7.04.17 г.</a:t>
             </a:fld>
             <a:endParaRPr lang="bg-BG"/>
           </a:p>
@@ -4464,15 +4464,31 @@
                   <a:schemeClr val="accent6"/>
                 </a:solidFill>
               </a:rPr>
-              <a:t>Create a symbolic link(soft link) with ‘</a:t>
-            </a:r>
-            <a:r>
-              <a:rPr lang="en-US" dirty="0" smtClean="0">
-                <a:solidFill>
-                  <a:schemeClr val="bg1"/>
-                </a:solidFill>
-              </a:rPr>
-              <a:t>ls –n /root/source /</a:t>
+              <a:t>Create a symbolic link(soft link) with </a:t>
+            </a:r>
+            <a:r>
+              <a:rPr lang="en-US" smtClean="0">
+                <a:solidFill>
+                  <a:schemeClr val="accent6"/>
+                </a:solidFill>
+              </a:rPr>
+              <a:t>‘</a:t>
+            </a:r>
+            <a:r>
+              <a:rPr lang="en-US" smtClean="0">
+                <a:solidFill>
+                  <a:schemeClr val="bg1"/>
+                </a:solidFill>
+              </a:rPr>
+              <a:t>ln </a:t>
+            </a:r>
+            <a:r>
+              <a:rPr lang="en-US" dirty="0" smtClean="0">
+                <a:solidFill>
+                  <a:schemeClr val="bg1"/>
+                </a:solidFill>
+              </a:rPr>
+              <a:t>–n /root/source /</a:t>
             </a:r>
             <a:r>
               <a:rPr lang="en-US" dirty="0" err="1" smtClean="0">
@@ -8682,15 +8698,7 @@
                   <a:schemeClr val="accent6"/>
                 </a:solidFill>
               </a:rPr>
-              <a:t> </a:t>
-            </a:r>
-            <a:r>
-              <a:rPr lang="en-US" dirty="0" smtClean="0">
-                <a:solidFill>
-                  <a:schemeClr val="accent6"/>
-                </a:solidFill>
-              </a:rPr>
-              <a:t>=&gt; by default prompts for confirmation.</a:t>
+              <a:t> =&gt; by default prompts for confirmation.</a:t>
             </a:r>
           </a:p>
           <a:p>
@@ -8786,15 +8794,7 @@
                   <a:schemeClr val="bg1"/>
                 </a:solidFill>
               </a:rPr>
-              <a:t> </a:t>
-            </a:r>
-            <a:r>
-              <a:rPr lang="en-US" dirty="0" smtClean="0">
-                <a:solidFill>
-                  <a:schemeClr val="bg1"/>
-                </a:solidFill>
-              </a:rPr>
-              <a:t>–f /</a:t>
+              <a:t> –f /</a:t>
             </a:r>
             <a:r>
               <a:rPr lang="en-US" dirty="0" err="1" smtClean="0">
@@ -9212,7 +9212,15 @@
                   <a:schemeClr val="accent6"/>
                 </a:solidFill>
               </a:rPr>
-              <a:t>7. Do you think there is </a:t>
+              <a:t>7. Do you think there is a way back  </a:t>
+            </a:r>
+            <a:r>
+              <a:rPr lang="en-US" sz="3600" dirty="0">
+                <a:solidFill>
+                  <a:schemeClr val="accent6"/>
+                </a:solidFill>
+              </a:rPr>
+              <a:t>t</a:t>
             </a:r>
             <a:r>
               <a:rPr lang="en-US" sz="3600" dirty="0" smtClean="0">
@@ -9220,31 +9228,7 @@
                   <a:schemeClr val="accent6"/>
                 </a:solidFill>
               </a:rPr>
-              <a:t>a way back  </a:t>
-            </a:r>
-            <a:r>
-              <a:rPr lang="en-US" sz="3600" dirty="0">
-                <a:solidFill>
-                  <a:schemeClr val="accent6"/>
-                </a:solidFill>
-              </a:rPr>
-              <a:t>t</a:t>
-            </a:r>
-            <a:r>
-              <a:rPr lang="en-US" sz="3600" dirty="0" smtClean="0">
-                <a:solidFill>
-                  <a:schemeClr val="accent6"/>
-                </a:solidFill>
-              </a:rPr>
-              <a:t>o </a:t>
-            </a:r>
-            <a:r>
-              <a:rPr lang="en-US" sz="3600" dirty="0" smtClean="0">
-                <a:solidFill>
-                  <a:schemeClr val="accent6"/>
-                </a:solidFill>
-              </a:rPr>
-              <a:t>revert back the deleted file ?</a:t>
+              <a:t>o revert back the deleted file ?</a:t>
             </a:r>
             <a:r>
               <a:rPr lang="en-US" dirty="0" smtClean="0">
@@ -9584,7 +9568,7 @@
         </p:blipFill>
         <p:spPr>
           <a:xfrm>
-            <a:off x="857250" y="3276600"/>
+            <a:off x="838200" y="3200400"/>
             <a:ext cx="7162800" cy="3476065"/>
           </a:xfrm>
           <a:prstGeom prst="rect">

--- a/03.FileSystem/03-FileSystem.pptx
+++ b/03.FileSystem/03-FileSystem.pptx
@@ -222,7 +222,7 @@
           <a:p>
             <a:fld id="{75352585-B422-2C4D-8E5A-F92ADED6DEC8}" type="datetimeFigureOut">
               <a:rPr lang="en-US" smtClean="0"/>
-              <a:t>4/7/17</a:t>
+              <a:t>4/10/17</a:t>
             </a:fld>
             <a:endParaRPr lang="en-US"/>
           </a:p>
@@ -574,6 +574,174 @@
 </p:notes>
 </file>
 
+<file path=ppt/notesSlides/notesSlide2.xml><?xml version="1.0" encoding="utf-8"?>
+<p:notes xmlns:a="http://schemas.openxmlformats.org/drawingml/2006/main" xmlns:r="http://schemas.openxmlformats.org/officeDocument/2006/relationships" xmlns:p="http://schemas.openxmlformats.org/presentationml/2006/main">
+  <p:cSld>
+    <p:spTree>
+      <p:nvGrpSpPr>
+        <p:cNvPr id="1" name=""/>
+        <p:cNvGrpSpPr/>
+        <p:nvPr/>
+      </p:nvGrpSpPr>
+      <p:grpSpPr>
+        <a:xfrm>
+          <a:off x="0" y="0"/>
+          <a:ext cx="0" cy="0"/>
+          <a:chOff x="0" y="0"/>
+          <a:chExt cx="0" cy="0"/>
+        </a:xfrm>
+      </p:grpSpPr>
+      <p:sp>
+        <p:nvSpPr>
+          <p:cNvPr id="2" name="Slide Image Placeholder 1"/>
+          <p:cNvSpPr>
+            <a:spLocks noGrp="1" noRot="1" noChangeAspect="1"/>
+          </p:cNvSpPr>
+          <p:nvPr>
+            <p:ph type="sldImg"/>
+          </p:nvPr>
+        </p:nvSpPr>
+        <p:spPr/>
+      </p:sp>
+      <p:sp>
+        <p:nvSpPr>
+          <p:cNvPr id="3" name="Notes Placeholder 2"/>
+          <p:cNvSpPr>
+            <a:spLocks noGrp="1"/>
+          </p:cNvSpPr>
+          <p:nvPr>
+            <p:ph type="body" idx="1"/>
+          </p:nvPr>
+        </p:nvSpPr>
+        <p:spPr/>
+        <p:txBody>
+          <a:bodyPr/>
+          <a:lstStyle/>
+          <a:p>
+            <a:endParaRPr lang="en-US" dirty="0"/>
+          </a:p>
+        </p:txBody>
+      </p:sp>
+      <p:sp>
+        <p:nvSpPr>
+          <p:cNvPr id="4" name="Slide Number Placeholder 3"/>
+          <p:cNvSpPr>
+            <a:spLocks noGrp="1"/>
+          </p:cNvSpPr>
+          <p:nvPr>
+            <p:ph type="sldNum" sz="quarter" idx="10"/>
+          </p:nvPr>
+        </p:nvSpPr>
+        <p:spPr/>
+        <p:txBody>
+          <a:bodyPr/>
+          <a:lstStyle/>
+          <a:p>
+            <a:fld id="{57EC138D-5DDE-0D4C-8B90-6A65DC929022}" type="slidenum">
+              <a:rPr lang="en-US" smtClean="0"/>
+              <a:t>10</a:t>
+            </a:fld>
+            <a:endParaRPr lang="en-US"/>
+          </a:p>
+        </p:txBody>
+      </p:sp>
+    </p:spTree>
+    <p:extLst>
+      <p:ext uri="{BB962C8B-B14F-4D97-AF65-F5344CB8AC3E}">
+        <p14:creationId xmlns:p14="http://schemas.microsoft.com/office/powerpoint/2010/main" val="1583410058"/>
+      </p:ext>
+    </p:extLst>
+  </p:cSld>
+  <p:clrMapOvr>
+    <a:masterClrMapping/>
+  </p:clrMapOvr>
+</p:notes>
+</file>
+
+<file path=ppt/notesSlides/notesSlide3.xml><?xml version="1.0" encoding="utf-8"?>
+<p:notes xmlns:a="http://schemas.openxmlformats.org/drawingml/2006/main" xmlns:r="http://schemas.openxmlformats.org/officeDocument/2006/relationships" xmlns:p="http://schemas.openxmlformats.org/presentationml/2006/main">
+  <p:cSld>
+    <p:spTree>
+      <p:nvGrpSpPr>
+        <p:cNvPr id="1" name=""/>
+        <p:cNvGrpSpPr/>
+        <p:nvPr/>
+      </p:nvGrpSpPr>
+      <p:grpSpPr>
+        <a:xfrm>
+          <a:off x="0" y="0"/>
+          <a:ext cx="0" cy="0"/>
+          <a:chOff x="0" y="0"/>
+          <a:chExt cx="0" cy="0"/>
+        </a:xfrm>
+      </p:grpSpPr>
+      <p:sp>
+        <p:nvSpPr>
+          <p:cNvPr id="2" name="Slide Image Placeholder 1"/>
+          <p:cNvSpPr>
+            <a:spLocks noGrp="1" noRot="1" noChangeAspect="1"/>
+          </p:cNvSpPr>
+          <p:nvPr>
+            <p:ph type="sldImg"/>
+          </p:nvPr>
+        </p:nvSpPr>
+        <p:spPr/>
+      </p:sp>
+      <p:sp>
+        <p:nvSpPr>
+          <p:cNvPr id="3" name="Notes Placeholder 2"/>
+          <p:cNvSpPr>
+            <a:spLocks noGrp="1"/>
+          </p:cNvSpPr>
+          <p:nvPr>
+            <p:ph type="body" idx="1"/>
+          </p:nvPr>
+        </p:nvSpPr>
+        <p:spPr/>
+        <p:txBody>
+          <a:bodyPr/>
+          <a:lstStyle/>
+          <a:p>
+            <a:endParaRPr lang="en-US" dirty="0"/>
+          </a:p>
+        </p:txBody>
+      </p:sp>
+      <p:sp>
+        <p:nvSpPr>
+          <p:cNvPr id="4" name="Slide Number Placeholder 3"/>
+          <p:cNvSpPr>
+            <a:spLocks noGrp="1"/>
+          </p:cNvSpPr>
+          <p:nvPr>
+            <p:ph type="sldNum" sz="quarter" idx="10"/>
+          </p:nvPr>
+        </p:nvSpPr>
+        <p:spPr/>
+        <p:txBody>
+          <a:bodyPr/>
+          <a:lstStyle/>
+          <a:p>
+            <a:fld id="{57EC138D-5DDE-0D4C-8B90-6A65DC929022}" type="slidenum">
+              <a:rPr lang="en-US" smtClean="0"/>
+              <a:t>11</a:t>
+            </a:fld>
+            <a:endParaRPr lang="en-US"/>
+          </a:p>
+        </p:txBody>
+      </p:sp>
+    </p:spTree>
+    <p:extLst>
+      <p:ext uri="{BB962C8B-B14F-4D97-AF65-F5344CB8AC3E}">
+        <p14:creationId xmlns:p14="http://schemas.microsoft.com/office/powerpoint/2010/main" val="1232341718"/>
+      </p:ext>
+    </p:extLst>
+  </p:cSld>
+  <p:clrMapOvr>
+    <a:masterClrMapping/>
+  </p:clrMapOvr>
+</p:notes>
+</file>
+
 <file path=ppt/slideLayouts/slideLayout1.xml><?xml version="1.0" encoding="utf-8"?>
 <p:sldLayout xmlns:a="http://schemas.openxmlformats.org/drawingml/2006/main" xmlns:r="http://schemas.openxmlformats.org/officeDocument/2006/relationships" xmlns:p="http://schemas.openxmlformats.org/presentationml/2006/main" type="title" preserve="1">
   <p:cSld name="Title Slide">
@@ -755,7 +923,7 @@
           <a:p>
             <a:fld id="{3EA744D9-3FBE-48D8-BF2A-85DF203E4D20}" type="datetimeFigureOut">
               <a:rPr lang="bg-BG" smtClean="0"/>
-              <a:t>7.04.17 г.</a:t>
+              <a:t>10.04.17 г.</a:t>
             </a:fld>
             <a:endParaRPr lang="bg-BG"/>
           </a:p>
@@ -925,7 +1093,7 @@
           <a:p>
             <a:fld id="{3EA744D9-3FBE-48D8-BF2A-85DF203E4D20}" type="datetimeFigureOut">
               <a:rPr lang="bg-BG" smtClean="0"/>
-              <a:t>7.04.17 г.</a:t>
+              <a:t>10.04.17 г.</a:t>
             </a:fld>
             <a:endParaRPr lang="bg-BG"/>
           </a:p>
@@ -1105,7 +1273,7 @@
           <a:p>
             <a:fld id="{3EA744D9-3FBE-48D8-BF2A-85DF203E4D20}" type="datetimeFigureOut">
               <a:rPr lang="bg-BG" smtClean="0"/>
-              <a:t>7.04.17 г.</a:t>
+              <a:t>10.04.17 г.</a:t>
             </a:fld>
             <a:endParaRPr lang="bg-BG"/>
           </a:p>
@@ -1275,7 +1443,7 @@
           <a:p>
             <a:fld id="{3EA744D9-3FBE-48D8-BF2A-85DF203E4D20}" type="datetimeFigureOut">
               <a:rPr lang="bg-BG" smtClean="0"/>
-              <a:t>7.04.17 г.</a:t>
+              <a:t>10.04.17 г.</a:t>
             </a:fld>
             <a:endParaRPr lang="bg-BG"/>
           </a:p>
@@ -1521,7 +1689,7 @@
           <a:p>
             <a:fld id="{3EA744D9-3FBE-48D8-BF2A-85DF203E4D20}" type="datetimeFigureOut">
               <a:rPr lang="bg-BG" smtClean="0"/>
-              <a:t>7.04.17 г.</a:t>
+              <a:t>10.04.17 г.</a:t>
             </a:fld>
             <a:endParaRPr lang="bg-BG"/>
           </a:p>
@@ -1809,7 +1977,7 @@
           <a:p>
             <a:fld id="{3EA744D9-3FBE-48D8-BF2A-85DF203E4D20}" type="datetimeFigureOut">
               <a:rPr lang="bg-BG" smtClean="0"/>
-              <a:t>7.04.17 г.</a:t>
+              <a:t>10.04.17 г.</a:t>
             </a:fld>
             <a:endParaRPr lang="bg-BG"/>
           </a:p>
@@ -2231,7 +2399,7 @@
           <a:p>
             <a:fld id="{3EA744D9-3FBE-48D8-BF2A-85DF203E4D20}" type="datetimeFigureOut">
               <a:rPr lang="bg-BG" smtClean="0"/>
-              <a:t>7.04.17 г.</a:t>
+              <a:t>10.04.17 г.</a:t>
             </a:fld>
             <a:endParaRPr lang="bg-BG"/>
           </a:p>
@@ -2349,7 +2517,7 @@
           <a:p>
             <a:fld id="{3EA744D9-3FBE-48D8-BF2A-85DF203E4D20}" type="datetimeFigureOut">
               <a:rPr lang="bg-BG" smtClean="0"/>
-              <a:t>7.04.17 г.</a:t>
+              <a:t>10.04.17 г.</a:t>
             </a:fld>
             <a:endParaRPr lang="bg-BG"/>
           </a:p>
@@ -2444,7 +2612,7 @@
           <a:p>
             <a:fld id="{3EA744D9-3FBE-48D8-BF2A-85DF203E4D20}" type="datetimeFigureOut">
               <a:rPr lang="bg-BG" smtClean="0"/>
-              <a:t>7.04.17 г.</a:t>
+              <a:t>10.04.17 г.</a:t>
             </a:fld>
             <a:endParaRPr lang="bg-BG"/>
           </a:p>
@@ -2721,7 +2889,7 @@
           <a:p>
             <a:fld id="{3EA744D9-3FBE-48D8-BF2A-85DF203E4D20}" type="datetimeFigureOut">
               <a:rPr lang="bg-BG" smtClean="0"/>
-              <a:t>7.04.17 г.</a:t>
+              <a:t>10.04.17 г.</a:t>
             </a:fld>
             <a:endParaRPr lang="bg-BG"/>
           </a:p>
@@ -2974,7 +3142,7 @@
           <a:p>
             <a:fld id="{3EA744D9-3FBE-48D8-BF2A-85DF203E4D20}" type="datetimeFigureOut">
               <a:rPr lang="bg-BG" smtClean="0"/>
-              <a:t>7.04.17 г.</a:t>
+              <a:t>10.04.17 г.</a:t>
             </a:fld>
             <a:endParaRPr lang="bg-BG"/>
           </a:p>
@@ -3196,7 +3364,7 @@
           <a:p>
             <a:fld id="{3EA744D9-3FBE-48D8-BF2A-85DF203E4D20}" type="datetimeFigureOut">
               <a:rPr lang="bg-BG" smtClean="0"/>
-              <a:t>7.04.17 г.</a:t>
+              <a:t>10.04.17 г.</a:t>
             </a:fld>
             <a:endParaRPr lang="bg-BG"/>
           </a:p>
@@ -4138,7 +4306,7 @@
           <p:nvPr/>
         </p:nvPicPr>
         <p:blipFill>
-          <a:blip r:embed="rId2">
+          <a:blip r:embed="rId3">
             <a:extLst>
               <a:ext uri="{28A0092B-C50C-407E-A947-70E740481C1C}">
                 <a14:useLocalDpi xmlns:a14="http://schemas.microsoft.com/office/drawing/2010/main" val="0"/>
@@ -4418,7 +4586,7 @@
           </p:nvPr>
         </p:nvPicPr>
         <p:blipFill>
-          <a:blip r:embed="rId2">
+          <a:blip r:embed="rId3">
             <a:extLst>
               <a:ext uri="{28A0092B-C50C-407E-A947-70E740481C1C}">
                 <a14:useLocalDpi xmlns:a14="http://schemas.microsoft.com/office/drawing/2010/main" val="0"/>
@@ -5257,7 +5425,7 @@
         <p:spPr/>
         <p:txBody>
           <a:bodyPr>
-            <a:normAutofit fontScale="85000" lnSpcReduction="20000"/>
+            <a:normAutofit fontScale="62500" lnSpcReduction="20000"/>
           </a:bodyPr>
           <a:lstStyle/>
           <a:p>
@@ -5542,8 +5710,81 @@
                   <a:schemeClr val="accent6"/>
                 </a:solidFill>
               </a:rPr>
-              <a:t>to specify the target directory where u want to extract the file.</a:t>
-            </a:r>
+              <a:t>to specify the target directory where u want to extract the file</a:t>
+            </a:r>
+            <a:r>
+              <a:rPr lang="en-US" dirty="0" smtClean="0">
+                <a:solidFill>
+                  <a:schemeClr val="accent6"/>
+                </a:solidFill>
+              </a:rPr>
+              <a:t>.</a:t>
+            </a:r>
+          </a:p>
+          <a:p>
+            <a:pPr marL="0" indent="0">
+              <a:buNone/>
+            </a:pPr>
+            <a:endParaRPr lang="en-US" dirty="0">
+              <a:solidFill>
+                <a:schemeClr val="accent6"/>
+              </a:solidFill>
+            </a:endParaRPr>
+          </a:p>
+          <a:p>
+            <a:pPr marL="0" indent="0">
+              <a:buNone/>
+            </a:pPr>
+            <a:r>
+              <a:rPr lang="en-US" dirty="0" smtClean="0">
+                <a:solidFill>
+                  <a:schemeClr val="accent6"/>
+                </a:solidFill>
+              </a:rPr>
+              <a:t>Get the size of a file or directory:</a:t>
+            </a:r>
+          </a:p>
+          <a:p>
+            <a:pPr marL="0" indent="0">
+              <a:buNone/>
+            </a:pPr>
+            <a:r>
+              <a:rPr lang="en-US" dirty="0" smtClean="0">
+                <a:solidFill>
+                  <a:schemeClr val="bg1"/>
+                </a:solidFill>
+              </a:rPr>
+              <a:t>du </a:t>
+            </a:r>
+            <a:r>
+              <a:rPr lang="mr-IN" dirty="0" smtClean="0">
+                <a:solidFill>
+                  <a:schemeClr val="bg1"/>
+                </a:solidFill>
+              </a:rPr>
+              <a:t>–</a:t>
+            </a:r>
+            <a:r>
+              <a:rPr lang="en-US" dirty="0" err="1" smtClean="0">
+                <a:solidFill>
+                  <a:schemeClr val="bg1"/>
+                </a:solidFill>
+              </a:rPr>
+              <a:t>sh</a:t>
+            </a:r>
+            <a:r>
+              <a:rPr lang="en-US" dirty="0" smtClean="0">
+                <a:solidFill>
+                  <a:schemeClr val="bg1"/>
+                </a:solidFill>
+              </a:rPr>
+              <a:t> file</a:t>
+            </a:r>
+          </a:p>
+          <a:p>
+            <a:pPr marL="0" indent="0">
+              <a:buNone/>
+            </a:pPr>
             <a:endParaRPr lang="en-US" dirty="0">
               <a:solidFill>
                 <a:schemeClr val="accent6"/>
@@ -5720,26 +5961,49 @@
               </a:rPr>
             </a:br>
             <a:r>
+              <a:rPr lang="en-US" dirty="0" smtClean="0">
+                <a:solidFill>
+                  <a:schemeClr val="accent6"/>
+                </a:solidFill>
+              </a:rPr>
+              <a:t/>
+            </a:r>
+            <a:br>
+              <a:rPr lang="en-US" dirty="0" smtClean="0">
+                <a:solidFill>
+                  <a:schemeClr val="accent6"/>
+                </a:solidFill>
+              </a:rPr>
+            </a:br>
+            <a:r>
               <a:rPr lang="en-US" sz="3100" dirty="0" smtClean="0">
                 <a:solidFill>
                   <a:schemeClr val="accent6"/>
                 </a:solidFill>
               </a:rPr>
-              <a:t>Allows you to make files take less disk</a:t>
-            </a:r>
-            <a:br>
+              <a:t>Allows </a:t>
+            </a:r>
+            <a:r>
               <a:rPr lang="en-US" sz="3100" dirty="0" smtClean="0">
                 <a:solidFill>
                   <a:schemeClr val="accent6"/>
                 </a:solidFill>
               </a:rPr>
-            </a:br>
-            <a:r>
+              <a:t>you to make files take less disk</a:t>
+            </a:r>
+            <a:br>
               <a:rPr lang="en-US" sz="3100" dirty="0" smtClean="0">
                 <a:solidFill>
                   <a:schemeClr val="accent6"/>
                 </a:solidFill>
               </a:rPr>
+            </a:br>
+            <a:r>
+              <a:rPr lang="en-US" sz="3100" dirty="0" smtClean="0">
+                <a:solidFill>
+                  <a:schemeClr val="accent6"/>
+                </a:solidFill>
+              </a:rPr>
               <a:t> space by taking out the redundancy.</a:t>
             </a:r>
             <a:br>
@@ -5836,7 +6100,7 @@
             <a:r>
               <a:rPr lang="en-US" sz="3100" dirty="0" err="1" smtClean="0">
                 <a:solidFill>
-                  <a:schemeClr val="accent6"/>
+                  <a:schemeClr val="bg1"/>
                 </a:solidFill>
               </a:rPr>
               <a:t>gzip</a:t>
@@ -5844,10 +6108,18 @@
             <a:r>
               <a:rPr lang="en-US" sz="3100" dirty="0" smtClean="0">
                 <a:solidFill>
-                  <a:schemeClr val="accent6"/>
+                  <a:schemeClr val="bg1"/>
                 </a:solidFill>
               </a:rPr>
               <a:t> home.tar</a:t>
+            </a:r>
+            <a:r>
+              <a:rPr lang="en-US" sz="3100" dirty="0" smtClean="0">
+                <a:solidFill>
+                  <a:schemeClr val="accent6"/>
+                </a:solidFill>
+              </a:rPr>
+              <a:t/>
             </a:r>
             <a:br>
               <a:rPr lang="en-US" sz="3100" dirty="0" smtClean="0">
@@ -5933,7 +6205,7 @@
                   </a:schemeClr>
                 </a:solidFill>
               </a:rPr>
-              <a:t> archive_compressed.tar.gz  /home/</a:t>
+              <a:t> </a:t>
             </a:r>
             <a:r>
               <a:rPr lang="en-US" sz="2700" dirty="0" err="1" smtClean="0">
@@ -5944,7 +6216,7 @@
                   </a:schemeClr>
                 </a:solidFill>
               </a:rPr>
-              <a:t>to_destination</a:t>
+              <a:t>archive_compressed.tar.gz</a:t>
             </a:r>
             <a:r>
               <a:rPr lang="en-US" sz="2700" dirty="0" smtClean="0">
@@ -5955,9 +6227,9 @@
                   </a:schemeClr>
                 </a:solidFill>
               </a:rPr>
-              <a:t/>
-            </a:r>
-            <a:br>
+              <a:t>  </a:t>
+            </a:r>
+            <a:r>
               <a:rPr lang="en-US" sz="2700" dirty="0" smtClean="0">
                 <a:solidFill>
                   <a:schemeClr val="tx2">
@@ -5966,7 +6238,127 @@
                   </a:schemeClr>
                 </a:solidFill>
               </a:rPr>
-            </a:br>
+              <a:t>content</a:t>
+            </a:r>
+            <a:br>
+              <a:rPr lang="en-US" sz="2700" dirty="0" smtClean="0">
+                <a:solidFill>
+                  <a:schemeClr val="tx2">
+                    <a:lumMod val="20000"/>
+                    <a:lumOff val="80000"/>
+                  </a:schemeClr>
+                </a:solidFill>
+              </a:rPr>
+            </a:br>
+            <a:r>
+              <a:rPr lang="en-US" sz="2700" dirty="0">
+                <a:solidFill>
+                  <a:schemeClr val="tx2">
+                    <a:lumMod val="20000"/>
+                    <a:lumOff val="80000"/>
+                  </a:schemeClr>
+                </a:solidFill>
+              </a:rPr>
+              <a:t/>
+            </a:r>
+            <a:br>
+              <a:rPr lang="en-US" sz="2700" dirty="0">
+                <a:solidFill>
+                  <a:schemeClr val="tx2">
+                    <a:lumMod val="20000"/>
+                    <a:lumOff val="80000"/>
+                  </a:schemeClr>
+                </a:solidFill>
+              </a:rPr>
+            </a:br>
+            <a:r>
+              <a:rPr lang="en-US" sz="2700" dirty="0" err="1" smtClean="0">
+                <a:solidFill>
+                  <a:schemeClr val="accent6"/>
+                </a:solidFill>
+              </a:rPr>
+              <a:t>Uncompress</a:t>
+            </a:r>
+            <a:r>
+              <a:rPr lang="en-US" sz="2700" dirty="0" smtClean="0">
+                <a:solidFill>
+                  <a:schemeClr val="accent6"/>
+                </a:solidFill>
+              </a:rPr>
+              <a:t> the compressed archive:</a:t>
+            </a:r>
+            <a:br>
+              <a:rPr lang="en-US" sz="2700" dirty="0" smtClean="0">
+                <a:solidFill>
+                  <a:schemeClr val="accent6"/>
+                </a:solidFill>
+              </a:rPr>
+            </a:br>
+            <a:r>
+              <a:rPr lang="en-US" sz="2700" dirty="0">
+                <a:solidFill>
+                  <a:schemeClr val="tx2">
+                    <a:lumMod val="20000"/>
+                    <a:lumOff val="80000"/>
+                  </a:schemeClr>
+                </a:solidFill>
+              </a:rPr>
+              <a:t/>
+            </a:r>
+            <a:br>
+              <a:rPr lang="en-US" sz="2700" dirty="0">
+                <a:solidFill>
+                  <a:schemeClr val="tx2">
+                    <a:lumMod val="20000"/>
+                    <a:lumOff val="80000"/>
+                  </a:schemeClr>
+                </a:solidFill>
+              </a:rPr>
+            </a:br>
+            <a:r>
+              <a:rPr lang="en-US" sz="2700" dirty="0" smtClean="0">
+                <a:solidFill>
+                  <a:schemeClr val="tx2">
+                    <a:lumMod val="20000"/>
+                    <a:lumOff val="80000"/>
+                  </a:schemeClr>
+                </a:solidFill>
+              </a:rPr>
+              <a:t>tar </a:t>
+            </a:r>
+            <a:r>
+              <a:rPr lang="en-US" sz="2700" dirty="0" err="1" smtClean="0">
+                <a:solidFill>
+                  <a:schemeClr val="tx2">
+                    <a:lumMod val="20000"/>
+                    <a:lumOff val="80000"/>
+                  </a:schemeClr>
+                </a:solidFill>
+              </a:rPr>
+              <a:t>xvzf</a:t>
+            </a:r>
+            <a:r>
+              <a:rPr lang="en-US" sz="2700" dirty="0" smtClean="0">
+                <a:solidFill>
+                  <a:schemeClr val="tx2">
+                    <a:lumMod val="20000"/>
+                    <a:lumOff val="80000"/>
+                  </a:schemeClr>
+                </a:solidFill>
+              </a:rPr>
+              <a:t> </a:t>
+            </a:r>
+            <a:r>
+              <a:rPr lang="en-US" sz="2700" dirty="0" err="1" smtClean="0">
+                <a:solidFill>
+                  <a:schemeClr val="tx2">
+                    <a:lumMod val="20000"/>
+                    <a:lumOff val="80000"/>
+                  </a:schemeClr>
+                </a:solidFill>
+              </a:rPr>
+              <a:t>content.tar.gz</a:t>
+            </a:r>
             <a:r>
               <a:rPr lang="en-US" sz="2700" dirty="0" smtClean="0">
                 <a:solidFill>
@@ -6189,22 +6581,38 @@
             <a:r>
               <a:rPr lang="en-US" sz="3100" dirty="0" smtClean="0">
                 <a:solidFill>
-                  <a:schemeClr val="bg1"/>
-                </a:solidFill>
-              </a:rPr>
-              <a:t>1. Create a file and rename it to ‘renamed’</a:t>
-            </a:r>
-            <a:br>
+                  <a:schemeClr val="accent6"/>
+                </a:solidFill>
+              </a:rPr>
+              <a:t>1. Create a file and rename it to ‘</a:t>
+            </a:r>
+            <a:r>
               <a:rPr lang="en-US" sz="3100" dirty="0" smtClean="0">
                 <a:solidFill>
-                  <a:schemeClr val="bg1"/>
-                </a:solidFill>
-              </a:rPr>
-            </a:br>
+                  <a:schemeClr val="bg2"/>
+                </a:solidFill>
+              </a:rPr>
+              <a:t>renamed</a:t>
+            </a:r>
             <a:r>
               <a:rPr lang="en-US" sz="3100" dirty="0" smtClean="0">
                 <a:solidFill>
-                  <a:schemeClr val="bg1"/>
+                  <a:schemeClr val="accent6"/>
+                </a:solidFill>
+              </a:rPr>
+              <a:t>’</a:t>
+            </a:r>
+            <a:br>
+              <a:rPr lang="en-US" sz="3100" dirty="0" smtClean="0">
+                <a:solidFill>
+                  <a:schemeClr val="accent6"/>
+                </a:solidFill>
+              </a:rPr>
+            </a:br>
+            <a:r>
+              <a:rPr lang="en-US" sz="3100" dirty="0" smtClean="0">
+                <a:solidFill>
+                  <a:schemeClr val="accent6"/>
                 </a:solidFill>
               </a:rPr>
               <a:t>2. Make 3 hard links to it.</a:t>
@@ -6212,14 +6620,14 @@
             <a:br>
               <a:rPr lang="en-US" sz="3100" dirty="0" smtClean="0">
                 <a:solidFill>
-                  <a:schemeClr val="bg1"/>
+                  <a:schemeClr val="accent6"/>
                 </a:solidFill>
               </a:rPr>
             </a:br>
             <a:r>
               <a:rPr lang="en-US" sz="3100" dirty="0" smtClean="0">
                 <a:solidFill>
-                  <a:schemeClr val="bg1"/>
+                  <a:schemeClr val="accent6"/>
                 </a:solidFill>
               </a:rPr>
               <a:t>3. List the </a:t>
@@ -6227,7 +6635,7 @@
             <a:r>
               <a:rPr lang="en-US" sz="3100" dirty="0" err="1" smtClean="0">
                 <a:solidFill>
-                  <a:schemeClr val="bg1"/>
+                  <a:schemeClr val="accent6"/>
                 </a:solidFill>
               </a:rPr>
               <a:t>inode</a:t>
@@ -6235,15 +6643,23 @@
             <a:r>
               <a:rPr lang="en-US" sz="3100" dirty="0" smtClean="0">
                 <a:solidFill>
-                  <a:schemeClr val="bg1"/>
-                </a:solidFill>
-              </a:rPr>
-              <a:t> number and redirect it to /</a:t>
+                  <a:schemeClr val="accent6"/>
+                </a:solidFill>
+              </a:rPr>
+              <a:t> number and redirect it to </a:t>
+            </a:r>
+            <a:r>
+              <a:rPr lang="en-US" sz="3100" dirty="0" smtClean="0">
+                <a:solidFill>
+                  <a:schemeClr val="bg2"/>
+                </a:solidFill>
+              </a:rPr>
+              <a:t>/</a:t>
             </a:r>
             <a:r>
               <a:rPr lang="en-US" sz="3100" dirty="0" err="1" smtClean="0">
                 <a:solidFill>
-                  <a:schemeClr val="bg1"/>
+                  <a:schemeClr val="bg2"/>
                 </a:solidFill>
               </a:rPr>
               <a:t>tmp</a:t>
@@ -6251,7 +6667,7 @@
             <a:r>
               <a:rPr lang="en-US" sz="3100" dirty="0" smtClean="0">
                 <a:solidFill>
-                  <a:schemeClr val="bg1"/>
+                  <a:schemeClr val="bg2"/>
                 </a:solidFill>
               </a:rPr>
               <a:t>/</a:t>
@@ -6259,7 +6675,7 @@
             <a:r>
               <a:rPr lang="en-US" sz="3100" dirty="0" err="1" smtClean="0">
                 <a:solidFill>
-                  <a:schemeClr val="bg1"/>
+                  <a:schemeClr val="bg2"/>
                 </a:solidFill>
               </a:rPr>
               <a:t>inodeinfo</a:t>
@@ -6267,7 +6683,7 @@
             <a:r>
               <a:rPr lang="en-US" sz="3100" dirty="0" smtClean="0">
                 <a:solidFill>
-                  <a:schemeClr val="bg1"/>
+                  <a:schemeClr val="accent6"/>
                 </a:solidFill>
               </a:rPr>
               <a:t/>
@@ -6275,14 +6691,14 @@
             <a:br>
               <a:rPr lang="en-US" sz="3100" dirty="0" smtClean="0">
                 <a:solidFill>
-                  <a:schemeClr val="bg1"/>
+                  <a:schemeClr val="accent6"/>
                 </a:solidFill>
               </a:rPr>
             </a:br>
             <a:r>
               <a:rPr lang="en-US" sz="3100" dirty="0" smtClean="0">
                 <a:solidFill>
-                  <a:schemeClr val="bg1"/>
+                  <a:schemeClr val="accent6"/>
                 </a:solidFill>
               </a:rPr>
               <a:t>4. Remove all above files.</a:t>
@@ -6290,22 +6706,30 @@
             <a:br>
               <a:rPr lang="en-US" sz="3100" dirty="0" smtClean="0">
                 <a:solidFill>
-                  <a:schemeClr val="bg1"/>
+                  <a:schemeClr val="accent6"/>
                 </a:solidFill>
               </a:rPr>
             </a:br>
             <a:r>
               <a:rPr lang="en-US" sz="3100" dirty="0" smtClean="0">
                 <a:solidFill>
-                  <a:schemeClr val="bg1"/>
-                </a:solidFill>
-              </a:rPr>
-              <a:t>5. Create a compressed archive of your /</a:t>
+                  <a:schemeClr val="accent6"/>
+                </a:solidFill>
+              </a:rPr>
+              <a:t>5. Create a compressed archive of your </a:t>
+            </a:r>
+            <a:r>
+              <a:rPr lang="en-US" sz="3100" dirty="0" smtClean="0">
+                <a:solidFill>
+                  <a:schemeClr val="bg2"/>
+                </a:solidFill>
+              </a:rPr>
+              <a:t>/</a:t>
             </a:r>
             <a:r>
               <a:rPr lang="en-US" sz="3100" dirty="0" err="1" smtClean="0">
                 <a:solidFill>
-                  <a:schemeClr val="bg1"/>
+                  <a:schemeClr val="bg2"/>
                 </a:solidFill>
               </a:rPr>
               <a:t>etc</a:t>
@@ -6313,7 +6737,7 @@
             <a:r>
               <a:rPr lang="en-US" sz="3100" dirty="0">
                 <a:solidFill>
-                  <a:schemeClr val="bg1"/>
+                  <a:schemeClr val="bg2"/>
                 </a:solidFill>
               </a:rPr>
               <a:t> </a:t>
@@ -6321,7 +6745,7 @@
             <a:r>
               <a:rPr lang="en-US" sz="3100" dirty="0" smtClean="0">
                 <a:solidFill>
-                  <a:schemeClr val="bg1"/>
+                  <a:schemeClr val="accent6"/>
                 </a:solidFill>
               </a:rPr>
               <a:t>directory.</a:t>
@@ -6329,14 +6753,14 @@
             <a:br>
               <a:rPr lang="en-US" sz="3100" dirty="0" smtClean="0">
                 <a:solidFill>
-                  <a:schemeClr val="bg1"/>
+                  <a:schemeClr val="accent6"/>
                 </a:solidFill>
               </a:rPr>
             </a:br>
             <a:r>
               <a:rPr lang="en-US" sz="3100" dirty="0" smtClean="0">
                 <a:solidFill>
-                  <a:schemeClr val="bg1"/>
+                  <a:schemeClr val="accent6"/>
                 </a:solidFill>
               </a:rPr>
               <a:t>6. How big is that archive? How did you find out ?</a:t>
@@ -6344,37 +6768,69 @@
             <a:br>
               <a:rPr lang="en-US" sz="3100" dirty="0" smtClean="0">
                 <a:solidFill>
-                  <a:schemeClr val="bg1"/>
+                  <a:schemeClr val="accent6"/>
                 </a:solidFill>
               </a:rPr>
             </a:br>
             <a:r>
               <a:rPr lang="en-US" sz="3100" dirty="0" smtClean="0">
                 <a:solidFill>
-                  <a:schemeClr val="bg1"/>
-                </a:solidFill>
-              </a:rPr>
-              <a:t>7. What does the ‘du’ command do ? </a:t>
-            </a:r>
-            <a:br>
+                  <a:schemeClr val="accent6"/>
+                </a:solidFill>
+              </a:rPr>
+              <a:t>7. What does the ‘</a:t>
+            </a:r>
+            <a:r>
               <a:rPr lang="en-US" sz="3100" dirty="0" smtClean="0">
                 <a:solidFill>
-                  <a:schemeClr val="bg1"/>
-                </a:solidFill>
-              </a:rPr>
-            </a:br>
+                  <a:schemeClr val="bg2"/>
+                </a:solidFill>
+              </a:rPr>
+              <a:t>du</a:t>
+            </a:r>
             <a:r>
               <a:rPr lang="en-US" sz="3100" dirty="0" smtClean="0">
                 <a:solidFill>
-                  <a:schemeClr val="bg1"/>
-                </a:solidFill>
-              </a:rPr>
-              <a:t>8. Compare ‘du’ vs ‘</a:t>
+                  <a:schemeClr val="accent6"/>
+                </a:solidFill>
+              </a:rPr>
+              <a:t>’ command do ? </a:t>
+            </a:r>
+            <a:br>
+              <a:rPr lang="en-US" sz="3100" dirty="0" smtClean="0">
+                <a:solidFill>
+                  <a:schemeClr val="accent6"/>
+                </a:solidFill>
+              </a:rPr>
+            </a:br>
+            <a:r>
+              <a:rPr lang="en-US" sz="3100" dirty="0" smtClean="0">
+                <a:solidFill>
+                  <a:schemeClr val="accent6"/>
+                </a:solidFill>
+              </a:rPr>
+              <a:t>8. Compare ‘</a:t>
+            </a:r>
+            <a:r>
+              <a:rPr lang="en-US" sz="3100" dirty="0" smtClean="0">
+                <a:solidFill>
+                  <a:schemeClr val="bg2"/>
+                </a:solidFill>
+              </a:rPr>
+              <a:t>du</a:t>
+            </a:r>
+            <a:r>
+              <a:rPr lang="en-US" sz="3100" dirty="0" smtClean="0">
+                <a:solidFill>
+                  <a:schemeClr val="accent6"/>
+                </a:solidFill>
+              </a:rPr>
+              <a:t>’ vs ‘</a:t>
             </a:r>
             <a:r>
               <a:rPr lang="en-US" sz="3100" dirty="0" err="1" smtClean="0">
                 <a:solidFill>
-                  <a:schemeClr val="bg1"/>
+                  <a:schemeClr val="bg2"/>
                 </a:solidFill>
               </a:rPr>
               <a:t>df</a:t>
@@ -6382,14 +6838,14 @@
             <a:r>
               <a:rPr lang="en-US" sz="3100" dirty="0" smtClean="0">
                 <a:solidFill>
-                  <a:schemeClr val="bg1"/>
+                  <a:schemeClr val="accent6"/>
                 </a:solidFill>
               </a:rPr>
               <a:t>’.</a:t>
             </a:r>
             <a:endParaRPr lang="en-US" sz="3100" dirty="0">
               <a:solidFill>
-                <a:schemeClr val="bg1"/>
+                <a:schemeClr val="accent6"/>
               </a:solidFill>
             </a:endParaRPr>
           </a:p>
@@ -6405,9 +6861,16 @@
             <p:ph idx="1"/>
           </p:nvPr>
         </p:nvSpPr>
-        <p:spPr/>
+        <p:spPr>
+          <a:xfrm>
+            <a:off x="7543800" y="5638800"/>
+            <a:ext cx="1143000" cy="487363"/>
+          </a:xfrm>
+        </p:spPr>
         <p:txBody>
-          <a:bodyPr/>
+          <a:bodyPr>
+            <a:normAutofit fontScale="92500" lnSpcReduction="20000"/>
+          </a:bodyPr>
           <a:lstStyle/>
           <a:p>
             <a:endParaRPr lang="en-US" dirty="0"/>
@@ -9410,7 +9873,17 @@
                   </a:schemeClr>
                 </a:solidFill>
               </a:rPr>
-              <a:t>ls –I /</a:t>
+              <a:t>ls </a:t>
+            </a:r>
+            <a:r>
+              <a:rPr lang="en-US" sz="1800" dirty="0" smtClean="0">
+                <a:solidFill>
+                  <a:schemeClr val="bg1">
+                    <a:lumMod val="95000"/>
+                  </a:schemeClr>
+                </a:solidFill>
+              </a:rPr>
+              <a:t>–l /</a:t>
             </a:r>
             <a:r>
               <a:rPr lang="en-US" sz="1800" dirty="0" err="1" smtClean="0">
@@ -9568,8 +10041,8 @@
         </p:blipFill>
         <p:spPr>
           <a:xfrm>
-            <a:off x="838200" y="3200400"/>
-            <a:ext cx="7162800" cy="3476065"/>
+            <a:off x="1219200" y="3547436"/>
+            <a:ext cx="6781800" cy="3291168"/>
           </a:xfrm>
           <a:prstGeom prst="rect">
             <a:avLst/>
